--- a/ppt 16-9/0329.受洗归主.pptx
+++ b/ppt 16-9/0329.受洗归主.pptx
@@ -129,7 +129,7 @@
           <p:cNvPr id="2" name="标题 1">
             <a:extLst>
               <a:ext uri="{FF2B5EF4-FFF2-40B4-BE49-F238E27FC236}">
-                <a16:creationId xmlns:a16="http://schemas.microsoft.com/office/drawing/2014/main" id="{F5F42CD1-376D-748F-09FC-56A117253500}"/>
+                <a16:creationId xmlns:a16="http://schemas.microsoft.com/office/drawing/2014/main" id="{D38E18FB-C4DD-9E6A-E78D-C0C4A984824A}"/>
               </a:ext>
             </a:extLst>
           </p:cNvPr>
@@ -166,7 +166,7 @@
           <p:cNvPr id="3" name="副标题 2">
             <a:extLst>
               <a:ext uri="{FF2B5EF4-FFF2-40B4-BE49-F238E27FC236}">
-                <a16:creationId xmlns:a16="http://schemas.microsoft.com/office/drawing/2014/main" id="{E102D762-1A0C-811A-1E51-3161E808D826}"/>
+                <a16:creationId xmlns:a16="http://schemas.microsoft.com/office/drawing/2014/main" id="{DE5373C9-D1E3-DDDD-E536-51AFBDE4C6BE}"/>
               </a:ext>
             </a:extLst>
           </p:cNvPr>
@@ -236,7 +236,7 @@
           <p:cNvPr id="4" name="日期占位符 3">
             <a:extLst>
               <a:ext uri="{FF2B5EF4-FFF2-40B4-BE49-F238E27FC236}">
-                <a16:creationId xmlns:a16="http://schemas.microsoft.com/office/drawing/2014/main" id="{B8787915-F87F-267C-9EDB-0EAB991A5ED9}"/>
+                <a16:creationId xmlns:a16="http://schemas.microsoft.com/office/drawing/2014/main" id="{89D9A31E-4447-CBF7-2C65-B0604B2F7B10}"/>
               </a:ext>
             </a:extLst>
           </p:cNvPr>
@@ -252,7 +252,7 @@
           <a:bodyPr/>
           <a:lstStyle/>
           <a:p>
-            <a:fld id="{B2EB8A18-EC8C-491B-A524-BE31D7EC393F}" type="datetimeFigureOut">
+            <a:fld id="{9973C8CE-1586-429C-B63E-8673888B3845}" type="datetimeFigureOut">
               <a:rPr lang="zh-CN" altLang="en-US" smtClean="0"/>
               <a:t>2024/3/10</a:t>
             </a:fld>
@@ -265,7 +265,7 @@
           <p:cNvPr id="5" name="页脚占位符 4">
             <a:extLst>
               <a:ext uri="{FF2B5EF4-FFF2-40B4-BE49-F238E27FC236}">
-                <a16:creationId xmlns:a16="http://schemas.microsoft.com/office/drawing/2014/main" id="{93EC8909-4F74-A303-C41C-EB5293B4FA9C}"/>
+                <a16:creationId xmlns:a16="http://schemas.microsoft.com/office/drawing/2014/main" id="{108AF4A9-3CD3-4B32-BB65-A0FBED01F3CE}"/>
               </a:ext>
             </a:extLst>
           </p:cNvPr>
@@ -290,7 +290,7 @@
           <p:cNvPr id="6" name="灯片编号占位符 5">
             <a:extLst>
               <a:ext uri="{FF2B5EF4-FFF2-40B4-BE49-F238E27FC236}">
-                <a16:creationId xmlns:a16="http://schemas.microsoft.com/office/drawing/2014/main" id="{7C35EFC7-4BBF-0621-B7ED-041C9865BB97}"/>
+                <a16:creationId xmlns:a16="http://schemas.microsoft.com/office/drawing/2014/main" id="{877252B9-B4BC-3619-316E-A41CCE060867}"/>
               </a:ext>
             </a:extLst>
           </p:cNvPr>
@@ -306,7 +306,7 @@
           <a:bodyPr/>
           <a:lstStyle/>
           <a:p>
-            <a:fld id="{8CF55E7A-C275-473B-8119-C861A388A253}" type="slidenum">
+            <a:fld id="{8FF5D6DC-0F61-426F-9305-98D16D8532F8}" type="slidenum">
               <a:rPr lang="zh-CN" altLang="en-US" smtClean="0"/>
               <a:t>‹#›</a:t>
             </a:fld>
@@ -317,7 +317,7 @@
     </p:spTree>
     <p:extLst>
       <p:ext uri="{BB962C8B-B14F-4D97-AF65-F5344CB8AC3E}">
-        <p14:creationId xmlns:p14="http://schemas.microsoft.com/office/powerpoint/2010/main" val="3678090520"/>
+        <p14:creationId xmlns:p14="http://schemas.microsoft.com/office/powerpoint/2010/main" val="2121547744"/>
       </p:ext>
     </p:extLst>
   </p:cSld>
@@ -349,7 +349,7 @@
           <p:cNvPr id="2" name="标题 1">
             <a:extLst>
               <a:ext uri="{FF2B5EF4-FFF2-40B4-BE49-F238E27FC236}">
-                <a16:creationId xmlns:a16="http://schemas.microsoft.com/office/drawing/2014/main" id="{5803849A-85AC-9213-C2E9-213088233534}"/>
+                <a16:creationId xmlns:a16="http://schemas.microsoft.com/office/drawing/2014/main" id="{24F3A7A9-B49A-1FFC-D9AE-960083262D1C}"/>
               </a:ext>
             </a:extLst>
           </p:cNvPr>
@@ -377,7 +377,7 @@
           <p:cNvPr id="3" name="竖排文字占位符 2">
             <a:extLst>
               <a:ext uri="{FF2B5EF4-FFF2-40B4-BE49-F238E27FC236}">
-                <a16:creationId xmlns:a16="http://schemas.microsoft.com/office/drawing/2014/main" id="{6CE8C20E-EC73-78B2-CB12-BCCD4A1F1F9A}"/>
+                <a16:creationId xmlns:a16="http://schemas.microsoft.com/office/drawing/2014/main" id="{E76AF96B-6298-7E73-4B56-DA1A341D38B8}"/>
               </a:ext>
             </a:extLst>
           </p:cNvPr>
@@ -434,7 +434,7 @@
           <p:cNvPr id="4" name="日期占位符 3">
             <a:extLst>
               <a:ext uri="{FF2B5EF4-FFF2-40B4-BE49-F238E27FC236}">
-                <a16:creationId xmlns:a16="http://schemas.microsoft.com/office/drawing/2014/main" id="{7DD23FDC-E71E-49B8-4809-EBA1B7ACF6F2}"/>
+                <a16:creationId xmlns:a16="http://schemas.microsoft.com/office/drawing/2014/main" id="{7A500F25-197D-84B8-0146-CCDB9FF729C7}"/>
               </a:ext>
             </a:extLst>
           </p:cNvPr>
@@ -450,7 +450,7 @@
           <a:bodyPr/>
           <a:lstStyle/>
           <a:p>
-            <a:fld id="{B2EB8A18-EC8C-491B-A524-BE31D7EC393F}" type="datetimeFigureOut">
+            <a:fld id="{9973C8CE-1586-429C-B63E-8673888B3845}" type="datetimeFigureOut">
               <a:rPr lang="zh-CN" altLang="en-US" smtClean="0"/>
               <a:t>2024/3/10</a:t>
             </a:fld>
@@ -463,7 +463,7 @@
           <p:cNvPr id="5" name="页脚占位符 4">
             <a:extLst>
               <a:ext uri="{FF2B5EF4-FFF2-40B4-BE49-F238E27FC236}">
-                <a16:creationId xmlns:a16="http://schemas.microsoft.com/office/drawing/2014/main" id="{CCFA0EC3-E802-C9D5-EF8F-E204A287A94A}"/>
+                <a16:creationId xmlns:a16="http://schemas.microsoft.com/office/drawing/2014/main" id="{14ADBECB-E0DB-4D14-BE61-16B42E9C8EFD}"/>
               </a:ext>
             </a:extLst>
           </p:cNvPr>
@@ -488,7 +488,7 @@
           <p:cNvPr id="6" name="灯片编号占位符 5">
             <a:extLst>
               <a:ext uri="{FF2B5EF4-FFF2-40B4-BE49-F238E27FC236}">
-                <a16:creationId xmlns:a16="http://schemas.microsoft.com/office/drawing/2014/main" id="{D26718A9-8D22-4C2A-FF23-0E9826D692ED}"/>
+                <a16:creationId xmlns:a16="http://schemas.microsoft.com/office/drawing/2014/main" id="{AC5F71D3-0FA4-14C2-E397-C3A135C7BA47}"/>
               </a:ext>
             </a:extLst>
           </p:cNvPr>
@@ -504,7 +504,7 @@
           <a:bodyPr/>
           <a:lstStyle/>
           <a:p>
-            <a:fld id="{8CF55E7A-C275-473B-8119-C861A388A253}" type="slidenum">
+            <a:fld id="{8FF5D6DC-0F61-426F-9305-98D16D8532F8}" type="slidenum">
               <a:rPr lang="zh-CN" altLang="en-US" smtClean="0"/>
               <a:t>‹#›</a:t>
             </a:fld>
@@ -515,7 +515,7 @@
     </p:spTree>
     <p:extLst>
       <p:ext uri="{BB962C8B-B14F-4D97-AF65-F5344CB8AC3E}">
-        <p14:creationId xmlns:p14="http://schemas.microsoft.com/office/powerpoint/2010/main" val="3084238719"/>
+        <p14:creationId xmlns:p14="http://schemas.microsoft.com/office/powerpoint/2010/main" val="2949748801"/>
       </p:ext>
     </p:extLst>
   </p:cSld>
@@ -547,7 +547,7 @@
           <p:cNvPr id="2" name="竖排标题 1">
             <a:extLst>
               <a:ext uri="{FF2B5EF4-FFF2-40B4-BE49-F238E27FC236}">
-                <a16:creationId xmlns:a16="http://schemas.microsoft.com/office/drawing/2014/main" id="{E637BDB2-7F2A-4A34-B46E-1BCA8F37CFED}"/>
+                <a16:creationId xmlns:a16="http://schemas.microsoft.com/office/drawing/2014/main" id="{E366AB8D-C676-0C0F-619C-695FD485E191}"/>
               </a:ext>
             </a:extLst>
           </p:cNvPr>
@@ -580,7 +580,7 @@
           <p:cNvPr id="3" name="竖排文字占位符 2">
             <a:extLst>
               <a:ext uri="{FF2B5EF4-FFF2-40B4-BE49-F238E27FC236}">
-                <a16:creationId xmlns:a16="http://schemas.microsoft.com/office/drawing/2014/main" id="{A5FE531D-F4A4-5DE3-EAAE-39EB4D5AF420}"/>
+                <a16:creationId xmlns:a16="http://schemas.microsoft.com/office/drawing/2014/main" id="{1DADB368-242E-6BDE-63D4-B84AB8C1A864}"/>
               </a:ext>
             </a:extLst>
           </p:cNvPr>
@@ -642,7 +642,7 @@
           <p:cNvPr id="4" name="日期占位符 3">
             <a:extLst>
               <a:ext uri="{FF2B5EF4-FFF2-40B4-BE49-F238E27FC236}">
-                <a16:creationId xmlns:a16="http://schemas.microsoft.com/office/drawing/2014/main" id="{E1B8681E-DC75-2337-D9B2-C1131DB0567B}"/>
+                <a16:creationId xmlns:a16="http://schemas.microsoft.com/office/drawing/2014/main" id="{E824FE7B-A032-BFEF-885B-EC10084BE700}"/>
               </a:ext>
             </a:extLst>
           </p:cNvPr>
@@ -658,7 +658,7 @@
           <a:bodyPr/>
           <a:lstStyle/>
           <a:p>
-            <a:fld id="{B2EB8A18-EC8C-491B-A524-BE31D7EC393F}" type="datetimeFigureOut">
+            <a:fld id="{9973C8CE-1586-429C-B63E-8673888B3845}" type="datetimeFigureOut">
               <a:rPr lang="zh-CN" altLang="en-US" smtClean="0"/>
               <a:t>2024/3/10</a:t>
             </a:fld>
@@ -671,7 +671,7 @@
           <p:cNvPr id="5" name="页脚占位符 4">
             <a:extLst>
               <a:ext uri="{FF2B5EF4-FFF2-40B4-BE49-F238E27FC236}">
-                <a16:creationId xmlns:a16="http://schemas.microsoft.com/office/drawing/2014/main" id="{50E38D6B-CDCE-CD54-0499-6F943BFB2354}"/>
+                <a16:creationId xmlns:a16="http://schemas.microsoft.com/office/drawing/2014/main" id="{3C846322-E724-B916-9BB7-3B88115D7C49}"/>
               </a:ext>
             </a:extLst>
           </p:cNvPr>
@@ -696,7 +696,7 @@
           <p:cNvPr id="6" name="灯片编号占位符 5">
             <a:extLst>
               <a:ext uri="{FF2B5EF4-FFF2-40B4-BE49-F238E27FC236}">
-                <a16:creationId xmlns:a16="http://schemas.microsoft.com/office/drawing/2014/main" id="{65D2D1EA-7ABA-BB79-5E73-509CB94CB389}"/>
+                <a16:creationId xmlns:a16="http://schemas.microsoft.com/office/drawing/2014/main" id="{F4E0C73C-B853-3636-4DF5-1AB5463EF809}"/>
               </a:ext>
             </a:extLst>
           </p:cNvPr>
@@ -712,7 +712,7 @@
           <a:bodyPr/>
           <a:lstStyle/>
           <a:p>
-            <a:fld id="{8CF55E7A-C275-473B-8119-C861A388A253}" type="slidenum">
+            <a:fld id="{8FF5D6DC-0F61-426F-9305-98D16D8532F8}" type="slidenum">
               <a:rPr lang="zh-CN" altLang="en-US" smtClean="0"/>
               <a:t>‹#›</a:t>
             </a:fld>
@@ -723,7 +723,7 @@
     </p:spTree>
     <p:extLst>
       <p:ext uri="{BB962C8B-B14F-4D97-AF65-F5344CB8AC3E}">
-        <p14:creationId xmlns:p14="http://schemas.microsoft.com/office/powerpoint/2010/main" val="1054663838"/>
+        <p14:creationId xmlns:p14="http://schemas.microsoft.com/office/powerpoint/2010/main" val="1775983513"/>
       </p:ext>
     </p:extLst>
   </p:cSld>
@@ -755,7 +755,7 @@
           <p:cNvPr id="2" name="标题 1">
             <a:extLst>
               <a:ext uri="{FF2B5EF4-FFF2-40B4-BE49-F238E27FC236}">
-                <a16:creationId xmlns:a16="http://schemas.microsoft.com/office/drawing/2014/main" id="{A77DC5B5-FD99-587C-B827-2F0F81743876}"/>
+                <a16:creationId xmlns:a16="http://schemas.microsoft.com/office/drawing/2014/main" id="{1D8FAEDC-EDDC-1A31-5F38-B18876F4F987}"/>
               </a:ext>
             </a:extLst>
           </p:cNvPr>
@@ -783,7 +783,7 @@
           <p:cNvPr id="3" name="内容占位符 2">
             <a:extLst>
               <a:ext uri="{FF2B5EF4-FFF2-40B4-BE49-F238E27FC236}">
-                <a16:creationId xmlns:a16="http://schemas.microsoft.com/office/drawing/2014/main" id="{A6D19E5A-6D1A-634A-82AB-7A1E64C20C48}"/>
+                <a16:creationId xmlns:a16="http://schemas.microsoft.com/office/drawing/2014/main" id="{7C3A6B8A-8440-3EAE-047C-3FFEC5C25E71}"/>
               </a:ext>
             </a:extLst>
           </p:cNvPr>
@@ -840,7 +840,7 @@
           <p:cNvPr id="4" name="日期占位符 3">
             <a:extLst>
               <a:ext uri="{FF2B5EF4-FFF2-40B4-BE49-F238E27FC236}">
-                <a16:creationId xmlns:a16="http://schemas.microsoft.com/office/drawing/2014/main" id="{68C5F725-93E9-7599-FC24-184D655F256C}"/>
+                <a16:creationId xmlns:a16="http://schemas.microsoft.com/office/drawing/2014/main" id="{A67F1043-392F-9DCA-6332-99AA67EE6E03}"/>
               </a:ext>
             </a:extLst>
           </p:cNvPr>
@@ -856,7 +856,7 @@
           <a:bodyPr/>
           <a:lstStyle/>
           <a:p>
-            <a:fld id="{B2EB8A18-EC8C-491B-A524-BE31D7EC393F}" type="datetimeFigureOut">
+            <a:fld id="{9973C8CE-1586-429C-B63E-8673888B3845}" type="datetimeFigureOut">
               <a:rPr lang="zh-CN" altLang="en-US" smtClean="0"/>
               <a:t>2024/3/10</a:t>
             </a:fld>
@@ -869,7 +869,7 @@
           <p:cNvPr id="5" name="页脚占位符 4">
             <a:extLst>
               <a:ext uri="{FF2B5EF4-FFF2-40B4-BE49-F238E27FC236}">
-                <a16:creationId xmlns:a16="http://schemas.microsoft.com/office/drawing/2014/main" id="{4CD7595C-B561-475D-496F-4EAA5AD6E0DB}"/>
+                <a16:creationId xmlns:a16="http://schemas.microsoft.com/office/drawing/2014/main" id="{E56780FA-2A3C-3F96-22D2-E287E8BD40E2}"/>
               </a:ext>
             </a:extLst>
           </p:cNvPr>
@@ -894,7 +894,7 @@
           <p:cNvPr id="6" name="灯片编号占位符 5">
             <a:extLst>
               <a:ext uri="{FF2B5EF4-FFF2-40B4-BE49-F238E27FC236}">
-                <a16:creationId xmlns:a16="http://schemas.microsoft.com/office/drawing/2014/main" id="{67045A70-2FED-4ED0-CA46-2707D9EA31A8}"/>
+                <a16:creationId xmlns:a16="http://schemas.microsoft.com/office/drawing/2014/main" id="{7C3E2530-8862-A197-6B69-E5F2BD664F8F}"/>
               </a:ext>
             </a:extLst>
           </p:cNvPr>
@@ -910,7 +910,7 @@
           <a:bodyPr/>
           <a:lstStyle/>
           <a:p>
-            <a:fld id="{8CF55E7A-C275-473B-8119-C861A388A253}" type="slidenum">
+            <a:fld id="{8FF5D6DC-0F61-426F-9305-98D16D8532F8}" type="slidenum">
               <a:rPr lang="zh-CN" altLang="en-US" smtClean="0"/>
               <a:t>‹#›</a:t>
             </a:fld>
@@ -921,7 +921,7 @@
     </p:spTree>
     <p:extLst>
       <p:ext uri="{BB962C8B-B14F-4D97-AF65-F5344CB8AC3E}">
-        <p14:creationId xmlns:p14="http://schemas.microsoft.com/office/powerpoint/2010/main" val="111797744"/>
+        <p14:creationId xmlns:p14="http://schemas.microsoft.com/office/powerpoint/2010/main" val="3335421167"/>
       </p:ext>
     </p:extLst>
   </p:cSld>
@@ -953,7 +953,7 @@
           <p:cNvPr id="2" name="标题 1">
             <a:extLst>
               <a:ext uri="{FF2B5EF4-FFF2-40B4-BE49-F238E27FC236}">
-                <a16:creationId xmlns:a16="http://schemas.microsoft.com/office/drawing/2014/main" id="{B1BD305E-787F-685A-37EC-719CAEB56A83}"/>
+                <a16:creationId xmlns:a16="http://schemas.microsoft.com/office/drawing/2014/main" id="{352466E0-F847-443C-35AE-DE70F32696A9}"/>
               </a:ext>
             </a:extLst>
           </p:cNvPr>
@@ -990,7 +990,7 @@
           <p:cNvPr id="3" name="文本占位符 2">
             <a:extLst>
               <a:ext uri="{FF2B5EF4-FFF2-40B4-BE49-F238E27FC236}">
-                <a16:creationId xmlns:a16="http://schemas.microsoft.com/office/drawing/2014/main" id="{0510FF2E-3917-C09D-C2BC-9E3AFD51478C}"/>
+                <a16:creationId xmlns:a16="http://schemas.microsoft.com/office/drawing/2014/main" id="{750F1FF6-F1CB-31E8-7471-28B2F8D6854F}"/>
               </a:ext>
             </a:extLst>
           </p:cNvPr>
@@ -1115,7 +1115,7 @@
           <p:cNvPr id="4" name="日期占位符 3">
             <a:extLst>
               <a:ext uri="{FF2B5EF4-FFF2-40B4-BE49-F238E27FC236}">
-                <a16:creationId xmlns:a16="http://schemas.microsoft.com/office/drawing/2014/main" id="{B4C622AB-7651-E4CF-311D-7294121C9C43}"/>
+                <a16:creationId xmlns:a16="http://schemas.microsoft.com/office/drawing/2014/main" id="{DE28D31B-5E48-5519-E91B-E4DD8209E7B5}"/>
               </a:ext>
             </a:extLst>
           </p:cNvPr>
@@ -1131,7 +1131,7 @@
           <a:bodyPr/>
           <a:lstStyle/>
           <a:p>
-            <a:fld id="{B2EB8A18-EC8C-491B-A524-BE31D7EC393F}" type="datetimeFigureOut">
+            <a:fld id="{9973C8CE-1586-429C-B63E-8673888B3845}" type="datetimeFigureOut">
               <a:rPr lang="zh-CN" altLang="en-US" smtClean="0"/>
               <a:t>2024/3/10</a:t>
             </a:fld>
@@ -1144,7 +1144,7 @@
           <p:cNvPr id="5" name="页脚占位符 4">
             <a:extLst>
               <a:ext uri="{FF2B5EF4-FFF2-40B4-BE49-F238E27FC236}">
-                <a16:creationId xmlns:a16="http://schemas.microsoft.com/office/drawing/2014/main" id="{24D7B4DF-DF5B-6800-3457-7F35D8F87BF3}"/>
+                <a16:creationId xmlns:a16="http://schemas.microsoft.com/office/drawing/2014/main" id="{D76D2740-0B7E-336A-8F9A-9DF2E7CCC913}"/>
               </a:ext>
             </a:extLst>
           </p:cNvPr>
@@ -1169,7 +1169,7 @@
           <p:cNvPr id="6" name="灯片编号占位符 5">
             <a:extLst>
               <a:ext uri="{FF2B5EF4-FFF2-40B4-BE49-F238E27FC236}">
-                <a16:creationId xmlns:a16="http://schemas.microsoft.com/office/drawing/2014/main" id="{9718414E-2D9A-0FB3-E70C-9AD7DBF8509F}"/>
+                <a16:creationId xmlns:a16="http://schemas.microsoft.com/office/drawing/2014/main" id="{6B7FED17-2C1B-8104-9F72-7A7B06079532}"/>
               </a:ext>
             </a:extLst>
           </p:cNvPr>
@@ -1185,7 +1185,7 @@
           <a:bodyPr/>
           <a:lstStyle/>
           <a:p>
-            <a:fld id="{8CF55E7A-C275-473B-8119-C861A388A253}" type="slidenum">
+            <a:fld id="{8FF5D6DC-0F61-426F-9305-98D16D8532F8}" type="slidenum">
               <a:rPr lang="zh-CN" altLang="en-US" smtClean="0"/>
               <a:t>‹#›</a:t>
             </a:fld>
@@ -1196,7 +1196,7 @@
     </p:spTree>
     <p:extLst>
       <p:ext uri="{BB962C8B-B14F-4D97-AF65-F5344CB8AC3E}">
-        <p14:creationId xmlns:p14="http://schemas.microsoft.com/office/powerpoint/2010/main" val="1224683148"/>
+        <p14:creationId xmlns:p14="http://schemas.microsoft.com/office/powerpoint/2010/main" val="1698781326"/>
       </p:ext>
     </p:extLst>
   </p:cSld>
@@ -1228,7 +1228,7 @@
           <p:cNvPr id="2" name="标题 1">
             <a:extLst>
               <a:ext uri="{FF2B5EF4-FFF2-40B4-BE49-F238E27FC236}">
-                <a16:creationId xmlns:a16="http://schemas.microsoft.com/office/drawing/2014/main" id="{D123739A-10CE-9246-6912-390295D5C3CF}"/>
+                <a16:creationId xmlns:a16="http://schemas.microsoft.com/office/drawing/2014/main" id="{C36B87A9-A7D9-B82A-6DB3-FF72A532E73A}"/>
               </a:ext>
             </a:extLst>
           </p:cNvPr>
@@ -1256,7 +1256,7 @@
           <p:cNvPr id="3" name="内容占位符 2">
             <a:extLst>
               <a:ext uri="{FF2B5EF4-FFF2-40B4-BE49-F238E27FC236}">
-                <a16:creationId xmlns:a16="http://schemas.microsoft.com/office/drawing/2014/main" id="{98E770DE-F031-D64F-346A-9CD915132996}"/>
+                <a16:creationId xmlns:a16="http://schemas.microsoft.com/office/drawing/2014/main" id="{1A2695F3-02A6-FDE2-D305-E5413497EDAF}"/>
               </a:ext>
             </a:extLst>
           </p:cNvPr>
@@ -1318,7 +1318,7 @@
           <p:cNvPr id="4" name="内容占位符 3">
             <a:extLst>
               <a:ext uri="{FF2B5EF4-FFF2-40B4-BE49-F238E27FC236}">
-                <a16:creationId xmlns:a16="http://schemas.microsoft.com/office/drawing/2014/main" id="{7FD66254-AE5C-4147-B071-A5B7271539DF}"/>
+                <a16:creationId xmlns:a16="http://schemas.microsoft.com/office/drawing/2014/main" id="{937DCC66-7360-2398-DDC2-8F4F7D98AF8D}"/>
               </a:ext>
             </a:extLst>
           </p:cNvPr>
@@ -1380,7 +1380,7 @@
           <p:cNvPr id="5" name="日期占位符 4">
             <a:extLst>
               <a:ext uri="{FF2B5EF4-FFF2-40B4-BE49-F238E27FC236}">
-                <a16:creationId xmlns:a16="http://schemas.microsoft.com/office/drawing/2014/main" id="{583D78BA-2ED1-BD0D-E058-BEE1FD6FFE8F}"/>
+                <a16:creationId xmlns:a16="http://schemas.microsoft.com/office/drawing/2014/main" id="{4A058A8E-C209-8441-C799-462B926FCE02}"/>
               </a:ext>
             </a:extLst>
           </p:cNvPr>
@@ -1396,7 +1396,7 @@
           <a:bodyPr/>
           <a:lstStyle/>
           <a:p>
-            <a:fld id="{B2EB8A18-EC8C-491B-A524-BE31D7EC393F}" type="datetimeFigureOut">
+            <a:fld id="{9973C8CE-1586-429C-B63E-8673888B3845}" type="datetimeFigureOut">
               <a:rPr lang="zh-CN" altLang="en-US" smtClean="0"/>
               <a:t>2024/3/10</a:t>
             </a:fld>
@@ -1409,7 +1409,7 @@
           <p:cNvPr id="6" name="页脚占位符 5">
             <a:extLst>
               <a:ext uri="{FF2B5EF4-FFF2-40B4-BE49-F238E27FC236}">
-                <a16:creationId xmlns:a16="http://schemas.microsoft.com/office/drawing/2014/main" id="{AA2F32B6-24C7-E3F3-688E-23994AD4B8FE}"/>
+                <a16:creationId xmlns:a16="http://schemas.microsoft.com/office/drawing/2014/main" id="{9E262763-22F2-6B95-91E1-7A60DDDCEB2C}"/>
               </a:ext>
             </a:extLst>
           </p:cNvPr>
@@ -1434,7 +1434,7 @@
           <p:cNvPr id="7" name="灯片编号占位符 6">
             <a:extLst>
               <a:ext uri="{FF2B5EF4-FFF2-40B4-BE49-F238E27FC236}">
-                <a16:creationId xmlns:a16="http://schemas.microsoft.com/office/drawing/2014/main" id="{CA5F11EF-56EF-458E-1EFB-84B3FCD6EDF9}"/>
+                <a16:creationId xmlns:a16="http://schemas.microsoft.com/office/drawing/2014/main" id="{784692B3-1087-C922-457B-B9CEA760D3B0}"/>
               </a:ext>
             </a:extLst>
           </p:cNvPr>
@@ -1450,7 +1450,7 @@
           <a:bodyPr/>
           <a:lstStyle/>
           <a:p>
-            <a:fld id="{8CF55E7A-C275-473B-8119-C861A388A253}" type="slidenum">
+            <a:fld id="{8FF5D6DC-0F61-426F-9305-98D16D8532F8}" type="slidenum">
               <a:rPr lang="zh-CN" altLang="en-US" smtClean="0"/>
               <a:t>‹#›</a:t>
             </a:fld>
@@ -1461,7 +1461,7 @@
     </p:spTree>
     <p:extLst>
       <p:ext uri="{BB962C8B-B14F-4D97-AF65-F5344CB8AC3E}">
-        <p14:creationId xmlns:p14="http://schemas.microsoft.com/office/powerpoint/2010/main" val="1128507925"/>
+        <p14:creationId xmlns:p14="http://schemas.microsoft.com/office/powerpoint/2010/main" val="1028845530"/>
       </p:ext>
     </p:extLst>
   </p:cSld>
@@ -1493,7 +1493,7 @@
           <p:cNvPr id="2" name="标题 1">
             <a:extLst>
               <a:ext uri="{FF2B5EF4-FFF2-40B4-BE49-F238E27FC236}">
-                <a16:creationId xmlns:a16="http://schemas.microsoft.com/office/drawing/2014/main" id="{D2893E53-4ABF-2822-18DB-AEF157DF6A36}"/>
+                <a16:creationId xmlns:a16="http://schemas.microsoft.com/office/drawing/2014/main" id="{168A8FCA-B7FE-6B86-05A9-E4B65026A1C7}"/>
               </a:ext>
             </a:extLst>
           </p:cNvPr>
@@ -1526,7 +1526,7 @@
           <p:cNvPr id="3" name="文本占位符 2">
             <a:extLst>
               <a:ext uri="{FF2B5EF4-FFF2-40B4-BE49-F238E27FC236}">
-                <a16:creationId xmlns:a16="http://schemas.microsoft.com/office/drawing/2014/main" id="{34E63FBC-C32D-17C5-097C-804082C3A1E2}"/>
+                <a16:creationId xmlns:a16="http://schemas.microsoft.com/office/drawing/2014/main" id="{BFD3EFE1-6ED4-05AE-4D94-43F3CB9F0E20}"/>
               </a:ext>
             </a:extLst>
           </p:cNvPr>
@@ -1597,7 +1597,7 @@
           <p:cNvPr id="4" name="内容占位符 3">
             <a:extLst>
               <a:ext uri="{FF2B5EF4-FFF2-40B4-BE49-F238E27FC236}">
-                <a16:creationId xmlns:a16="http://schemas.microsoft.com/office/drawing/2014/main" id="{FC69B902-FAEF-7D80-6A8A-3C6CAE0A0206}"/>
+                <a16:creationId xmlns:a16="http://schemas.microsoft.com/office/drawing/2014/main" id="{B7B812CC-9449-0807-2BCF-17B6970D9964}"/>
               </a:ext>
             </a:extLst>
           </p:cNvPr>
@@ -1659,7 +1659,7 @@
           <p:cNvPr id="5" name="文本占位符 4">
             <a:extLst>
               <a:ext uri="{FF2B5EF4-FFF2-40B4-BE49-F238E27FC236}">
-                <a16:creationId xmlns:a16="http://schemas.microsoft.com/office/drawing/2014/main" id="{086A7692-48E1-0069-EF85-2C94229848A7}"/>
+                <a16:creationId xmlns:a16="http://schemas.microsoft.com/office/drawing/2014/main" id="{24172D6F-9F98-102B-1BFC-71F451C52AF4}"/>
               </a:ext>
             </a:extLst>
           </p:cNvPr>
@@ -1730,7 +1730,7 @@
           <p:cNvPr id="6" name="内容占位符 5">
             <a:extLst>
               <a:ext uri="{FF2B5EF4-FFF2-40B4-BE49-F238E27FC236}">
-                <a16:creationId xmlns:a16="http://schemas.microsoft.com/office/drawing/2014/main" id="{DB72CDDD-2CA4-F69E-B02F-DCB347457053}"/>
+                <a16:creationId xmlns:a16="http://schemas.microsoft.com/office/drawing/2014/main" id="{82483F30-7764-996C-E6D0-BA8C268D3328}"/>
               </a:ext>
             </a:extLst>
           </p:cNvPr>
@@ -1792,7 +1792,7 @@
           <p:cNvPr id="7" name="日期占位符 6">
             <a:extLst>
               <a:ext uri="{FF2B5EF4-FFF2-40B4-BE49-F238E27FC236}">
-                <a16:creationId xmlns:a16="http://schemas.microsoft.com/office/drawing/2014/main" id="{02C81AE9-DCF9-DE5F-DEA2-CE4EA2D0778E}"/>
+                <a16:creationId xmlns:a16="http://schemas.microsoft.com/office/drawing/2014/main" id="{9FE0D32F-F38C-13E2-E0DB-26DD13A56EED}"/>
               </a:ext>
             </a:extLst>
           </p:cNvPr>
@@ -1808,7 +1808,7 @@
           <a:bodyPr/>
           <a:lstStyle/>
           <a:p>
-            <a:fld id="{B2EB8A18-EC8C-491B-A524-BE31D7EC393F}" type="datetimeFigureOut">
+            <a:fld id="{9973C8CE-1586-429C-B63E-8673888B3845}" type="datetimeFigureOut">
               <a:rPr lang="zh-CN" altLang="en-US" smtClean="0"/>
               <a:t>2024/3/10</a:t>
             </a:fld>
@@ -1821,7 +1821,7 @@
           <p:cNvPr id="8" name="页脚占位符 7">
             <a:extLst>
               <a:ext uri="{FF2B5EF4-FFF2-40B4-BE49-F238E27FC236}">
-                <a16:creationId xmlns:a16="http://schemas.microsoft.com/office/drawing/2014/main" id="{BFA13537-1A12-E1ED-CB22-0E3846254F66}"/>
+                <a16:creationId xmlns:a16="http://schemas.microsoft.com/office/drawing/2014/main" id="{8093DBDD-7FBD-FC74-92EA-39D836F3E0BD}"/>
               </a:ext>
             </a:extLst>
           </p:cNvPr>
@@ -1846,7 +1846,7 @@
           <p:cNvPr id="9" name="灯片编号占位符 8">
             <a:extLst>
               <a:ext uri="{FF2B5EF4-FFF2-40B4-BE49-F238E27FC236}">
-                <a16:creationId xmlns:a16="http://schemas.microsoft.com/office/drawing/2014/main" id="{6310AE5E-00AD-9BAE-3D55-52939C0A3252}"/>
+                <a16:creationId xmlns:a16="http://schemas.microsoft.com/office/drawing/2014/main" id="{5B4B9E17-264C-A5D6-5D86-B39092820D71}"/>
               </a:ext>
             </a:extLst>
           </p:cNvPr>
@@ -1862,7 +1862,7 @@
           <a:bodyPr/>
           <a:lstStyle/>
           <a:p>
-            <a:fld id="{8CF55E7A-C275-473B-8119-C861A388A253}" type="slidenum">
+            <a:fld id="{8FF5D6DC-0F61-426F-9305-98D16D8532F8}" type="slidenum">
               <a:rPr lang="zh-CN" altLang="en-US" smtClean="0"/>
               <a:t>‹#›</a:t>
             </a:fld>
@@ -1873,7 +1873,7 @@
     </p:spTree>
     <p:extLst>
       <p:ext uri="{BB962C8B-B14F-4D97-AF65-F5344CB8AC3E}">
-        <p14:creationId xmlns:p14="http://schemas.microsoft.com/office/powerpoint/2010/main" val="1613976259"/>
+        <p14:creationId xmlns:p14="http://schemas.microsoft.com/office/powerpoint/2010/main" val="2160091156"/>
       </p:ext>
     </p:extLst>
   </p:cSld>
@@ -1905,7 +1905,7 @@
           <p:cNvPr id="2" name="标题 1">
             <a:extLst>
               <a:ext uri="{FF2B5EF4-FFF2-40B4-BE49-F238E27FC236}">
-                <a16:creationId xmlns:a16="http://schemas.microsoft.com/office/drawing/2014/main" id="{D5556863-9374-6584-82E0-EAED9E8ADD98}"/>
+                <a16:creationId xmlns:a16="http://schemas.microsoft.com/office/drawing/2014/main" id="{B666FFBC-603D-2CFF-82A1-69F3D8CFADA7}"/>
               </a:ext>
             </a:extLst>
           </p:cNvPr>
@@ -1933,7 +1933,7 @@
           <p:cNvPr id="3" name="日期占位符 2">
             <a:extLst>
               <a:ext uri="{FF2B5EF4-FFF2-40B4-BE49-F238E27FC236}">
-                <a16:creationId xmlns:a16="http://schemas.microsoft.com/office/drawing/2014/main" id="{827CD688-8CA4-B8AC-2220-74270A5E27C3}"/>
+                <a16:creationId xmlns:a16="http://schemas.microsoft.com/office/drawing/2014/main" id="{F57DCF27-405C-8410-2713-F2F6A629580F}"/>
               </a:ext>
             </a:extLst>
           </p:cNvPr>
@@ -1949,7 +1949,7 @@
           <a:bodyPr/>
           <a:lstStyle/>
           <a:p>
-            <a:fld id="{B2EB8A18-EC8C-491B-A524-BE31D7EC393F}" type="datetimeFigureOut">
+            <a:fld id="{9973C8CE-1586-429C-B63E-8673888B3845}" type="datetimeFigureOut">
               <a:rPr lang="zh-CN" altLang="en-US" smtClean="0"/>
               <a:t>2024/3/10</a:t>
             </a:fld>
@@ -1962,7 +1962,7 @@
           <p:cNvPr id="4" name="页脚占位符 3">
             <a:extLst>
               <a:ext uri="{FF2B5EF4-FFF2-40B4-BE49-F238E27FC236}">
-                <a16:creationId xmlns:a16="http://schemas.microsoft.com/office/drawing/2014/main" id="{3DB82811-BBB0-9B1A-58F7-4D138BD1A0AA}"/>
+                <a16:creationId xmlns:a16="http://schemas.microsoft.com/office/drawing/2014/main" id="{7B02AB4F-888D-DE60-A4DB-DC089C427FF3}"/>
               </a:ext>
             </a:extLst>
           </p:cNvPr>
@@ -1987,7 +1987,7 @@
           <p:cNvPr id="5" name="灯片编号占位符 4">
             <a:extLst>
               <a:ext uri="{FF2B5EF4-FFF2-40B4-BE49-F238E27FC236}">
-                <a16:creationId xmlns:a16="http://schemas.microsoft.com/office/drawing/2014/main" id="{BA4DB11B-C8B1-04EF-829E-5F94B0ADC6B0}"/>
+                <a16:creationId xmlns:a16="http://schemas.microsoft.com/office/drawing/2014/main" id="{587FE8B9-6BE1-3A4D-C545-B12535E69BFE}"/>
               </a:ext>
             </a:extLst>
           </p:cNvPr>
@@ -2003,7 +2003,7 @@
           <a:bodyPr/>
           <a:lstStyle/>
           <a:p>
-            <a:fld id="{8CF55E7A-C275-473B-8119-C861A388A253}" type="slidenum">
+            <a:fld id="{8FF5D6DC-0F61-426F-9305-98D16D8532F8}" type="slidenum">
               <a:rPr lang="zh-CN" altLang="en-US" smtClean="0"/>
               <a:t>‹#›</a:t>
             </a:fld>
@@ -2014,7 +2014,7 @@
     </p:spTree>
     <p:extLst>
       <p:ext uri="{BB962C8B-B14F-4D97-AF65-F5344CB8AC3E}">
-        <p14:creationId xmlns:p14="http://schemas.microsoft.com/office/powerpoint/2010/main" val="3665786996"/>
+        <p14:creationId xmlns:p14="http://schemas.microsoft.com/office/powerpoint/2010/main" val="504574132"/>
       </p:ext>
     </p:extLst>
   </p:cSld>
@@ -2046,7 +2046,7 @@
           <p:cNvPr id="2" name="日期占位符 1">
             <a:extLst>
               <a:ext uri="{FF2B5EF4-FFF2-40B4-BE49-F238E27FC236}">
-                <a16:creationId xmlns:a16="http://schemas.microsoft.com/office/drawing/2014/main" id="{50EB2E42-745B-1BD1-B117-13C0FC51A627}"/>
+                <a16:creationId xmlns:a16="http://schemas.microsoft.com/office/drawing/2014/main" id="{2ADD2DA2-5D40-E004-4182-41BF9716D72F}"/>
               </a:ext>
             </a:extLst>
           </p:cNvPr>
@@ -2062,7 +2062,7 @@
           <a:bodyPr/>
           <a:lstStyle/>
           <a:p>
-            <a:fld id="{B2EB8A18-EC8C-491B-A524-BE31D7EC393F}" type="datetimeFigureOut">
+            <a:fld id="{9973C8CE-1586-429C-B63E-8673888B3845}" type="datetimeFigureOut">
               <a:rPr lang="zh-CN" altLang="en-US" smtClean="0"/>
               <a:t>2024/3/10</a:t>
             </a:fld>
@@ -2075,7 +2075,7 @@
           <p:cNvPr id="3" name="页脚占位符 2">
             <a:extLst>
               <a:ext uri="{FF2B5EF4-FFF2-40B4-BE49-F238E27FC236}">
-                <a16:creationId xmlns:a16="http://schemas.microsoft.com/office/drawing/2014/main" id="{1BB2BA1A-F4EB-CC0C-1CD0-59EEE9A86EC9}"/>
+                <a16:creationId xmlns:a16="http://schemas.microsoft.com/office/drawing/2014/main" id="{544CDE88-C7EF-3FB0-1F24-94F41CEF6E08}"/>
               </a:ext>
             </a:extLst>
           </p:cNvPr>
@@ -2100,7 +2100,7 @@
           <p:cNvPr id="4" name="灯片编号占位符 3">
             <a:extLst>
               <a:ext uri="{FF2B5EF4-FFF2-40B4-BE49-F238E27FC236}">
-                <a16:creationId xmlns:a16="http://schemas.microsoft.com/office/drawing/2014/main" id="{B3512D6A-3568-A6C3-A2B6-B51D784C2336}"/>
+                <a16:creationId xmlns:a16="http://schemas.microsoft.com/office/drawing/2014/main" id="{F24AA850-B71B-5DA6-0A60-D07DB61FF376}"/>
               </a:ext>
             </a:extLst>
           </p:cNvPr>
@@ -2116,7 +2116,7 @@
           <a:bodyPr/>
           <a:lstStyle/>
           <a:p>
-            <a:fld id="{8CF55E7A-C275-473B-8119-C861A388A253}" type="slidenum">
+            <a:fld id="{8FF5D6DC-0F61-426F-9305-98D16D8532F8}" type="slidenum">
               <a:rPr lang="zh-CN" altLang="en-US" smtClean="0"/>
               <a:t>‹#›</a:t>
             </a:fld>
@@ -2127,7 +2127,7 @@
     </p:spTree>
     <p:extLst>
       <p:ext uri="{BB962C8B-B14F-4D97-AF65-F5344CB8AC3E}">
-        <p14:creationId xmlns:p14="http://schemas.microsoft.com/office/powerpoint/2010/main" val="1301511439"/>
+        <p14:creationId xmlns:p14="http://schemas.microsoft.com/office/powerpoint/2010/main" val="379001798"/>
       </p:ext>
     </p:extLst>
   </p:cSld>
@@ -2159,7 +2159,7 @@
           <p:cNvPr id="2" name="标题 1">
             <a:extLst>
               <a:ext uri="{FF2B5EF4-FFF2-40B4-BE49-F238E27FC236}">
-                <a16:creationId xmlns:a16="http://schemas.microsoft.com/office/drawing/2014/main" id="{FC789335-A14B-464E-B550-CFF6B9DEDC87}"/>
+                <a16:creationId xmlns:a16="http://schemas.microsoft.com/office/drawing/2014/main" id="{134323CD-5FE8-D903-E717-6C5C345931FA}"/>
               </a:ext>
             </a:extLst>
           </p:cNvPr>
@@ -2196,7 +2196,7 @@
           <p:cNvPr id="3" name="内容占位符 2">
             <a:extLst>
               <a:ext uri="{FF2B5EF4-FFF2-40B4-BE49-F238E27FC236}">
-                <a16:creationId xmlns:a16="http://schemas.microsoft.com/office/drawing/2014/main" id="{78D6DFF9-2DDA-7B76-5110-2B4F07B27F37}"/>
+                <a16:creationId xmlns:a16="http://schemas.microsoft.com/office/drawing/2014/main" id="{2161EC73-2D42-A5EA-8DF6-1F61D595D914}"/>
               </a:ext>
             </a:extLst>
           </p:cNvPr>
@@ -2286,7 +2286,7 @@
           <p:cNvPr id="4" name="文本占位符 3">
             <a:extLst>
               <a:ext uri="{FF2B5EF4-FFF2-40B4-BE49-F238E27FC236}">
-                <a16:creationId xmlns:a16="http://schemas.microsoft.com/office/drawing/2014/main" id="{55F1DE01-D9FC-15D7-1E2A-D2690066C76F}"/>
+                <a16:creationId xmlns:a16="http://schemas.microsoft.com/office/drawing/2014/main" id="{5CD97DA0-48A9-8DC5-9CB3-FC44FF24D652}"/>
               </a:ext>
             </a:extLst>
           </p:cNvPr>
@@ -2357,7 +2357,7 @@
           <p:cNvPr id="5" name="日期占位符 4">
             <a:extLst>
               <a:ext uri="{FF2B5EF4-FFF2-40B4-BE49-F238E27FC236}">
-                <a16:creationId xmlns:a16="http://schemas.microsoft.com/office/drawing/2014/main" id="{B2615F0A-BD08-2C16-9E5E-8BE9720348DF}"/>
+                <a16:creationId xmlns:a16="http://schemas.microsoft.com/office/drawing/2014/main" id="{74CDD4C9-CE41-DFB8-949D-E05E65BF15CA}"/>
               </a:ext>
             </a:extLst>
           </p:cNvPr>
@@ -2373,7 +2373,7 @@
           <a:bodyPr/>
           <a:lstStyle/>
           <a:p>
-            <a:fld id="{B2EB8A18-EC8C-491B-A524-BE31D7EC393F}" type="datetimeFigureOut">
+            <a:fld id="{9973C8CE-1586-429C-B63E-8673888B3845}" type="datetimeFigureOut">
               <a:rPr lang="zh-CN" altLang="en-US" smtClean="0"/>
               <a:t>2024/3/10</a:t>
             </a:fld>
@@ -2386,7 +2386,7 @@
           <p:cNvPr id="6" name="页脚占位符 5">
             <a:extLst>
               <a:ext uri="{FF2B5EF4-FFF2-40B4-BE49-F238E27FC236}">
-                <a16:creationId xmlns:a16="http://schemas.microsoft.com/office/drawing/2014/main" id="{FC0276BF-AA46-1DF9-B243-A10967FB9AAB}"/>
+                <a16:creationId xmlns:a16="http://schemas.microsoft.com/office/drawing/2014/main" id="{0B328EF9-85E2-2834-1D1F-D1DB742B1A2D}"/>
               </a:ext>
             </a:extLst>
           </p:cNvPr>
@@ -2411,7 +2411,7 @@
           <p:cNvPr id="7" name="灯片编号占位符 6">
             <a:extLst>
               <a:ext uri="{FF2B5EF4-FFF2-40B4-BE49-F238E27FC236}">
-                <a16:creationId xmlns:a16="http://schemas.microsoft.com/office/drawing/2014/main" id="{E1E1C546-C17D-060E-6DE9-4F23A4029FAA}"/>
+                <a16:creationId xmlns:a16="http://schemas.microsoft.com/office/drawing/2014/main" id="{8E21C709-EFE5-08B9-07D4-21BC4E061E3D}"/>
               </a:ext>
             </a:extLst>
           </p:cNvPr>
@@ -2427,7 +2427,7 @@
           <a:bodyPr/>
           <a:lstStyle/>
           <a:p>
-            <a:fld id="{8CF55E7A-C275-473B-8119-C861A388A253}" type="slidenum">
+            <a:fld id="{8FF5D6DC-0F61-426F-9305-98D16D8532F8}" type="slidenum">
               <a:rPr lang="zh-CN" altLang="en-US" smtClean="0"/>
               <a:t>‹#›</a:t>
             </a:fld>
@@ -2438,7 +2438,7 @@
     </p:spTree>
     <p:extLst>
       <p:ext uri="{BB962C8B-B14F-4D97-AF65-F5344CB8AC3E}">
-        <p14:creationId xmlns:p14="http://schemas.microsoft.com/office/powerpoint/2010/main" val="1002422435"/>
+        <p14:creationId xmlns:p14="http://schemas.microsoft.com/office/powerpoint/2010/main" val="3303855474"/>
       </p:ext>
     </p:extLst>
   </p:cSld>
@@ -2470,7 +2470,7 @@
           <p:cNvPr id="2" name="标题 1">
             <a:extLst>
               <a:ext uri="{FF2B5EF4-FFF2-40B4-BE49-F238E27FC236}">
-                <a16:creationId xmlns:a16="http://schemas.microsoft.com/office/drawing/2014/main" id="{C90C34DC-D593-9C35-AA67-45A9DBE5EBB7}"/>
+                <a16:creationId xmlns:a16="http://schemas.microsoft.com/office/drawing/2014/main" id="{2FB037B2-F5F9-B24D-3607-D33C2DE5A36C}"/>
               </a:ext>
             </a:extLst>
           </p:cNvPr>
@@ -2507,7 +2507,7 @@
           <p:cNvPr id="3" name="图片占位符 2">
             <a:extLst>
               <a:ext uri="{FF2B5EF4-FFF2-40B4-BE49-F238E27FC236}">
-                <a16:creationId xmlns:a16="http://schemas.microsoft.com/office/drawing/2014/main" id="{6FB8CD51-4177-265D-35B5-7DFD5D5D9E56}"/>
+                <a16:creationId xmlns:a16="http://schemas.microsoft.com/office/drawing/2014/main" id="{76611894-4328-9E5E-78FE-D6E37D0200E4}"/>
               </a:ext>
             </a:extLst>
           </p:cNvPr>
@@ -2574,7 +2574,7 @@
           <p:cNvPr id="4" name="文本占位符 3">
             <a:extLst>
               <a:ext uri="{FF2B5EF4-FFF2-40B4-BE49-F238E27FC236}">
-                <a16:creationId xmlns:a16="http://schemas.microsoft.com/office/drawing/2014/main" id="{876D69D5-A456-9D38-B5EA-2B46B546BFB9}"/>
+                <a16:creationId xmlns:a16="http://schemas.microsoft.com/office/drawing/2014/main" id="{D1E32842-A937-7EFF-5CE7-1EF60AF12A7A}"/>
               </a:ext>
             </a:extLst>
           </p:cNvPr>
@@ -2645,7 +2645,7 @@
           <p:cNvPr id="5" name="日期占位符 4">
             <a:extLst>
               <a:ext uri="{FF2B5EF4-FFF2-40B4-BE49-F238E27FC236}">
-                <a16:creationId xmlns:a16="http://schemas.microsoft.com/office/drawing/2014/main" id="{3C8984AE-2B24-FDCE-AD07-07093F88AF67}"/>
+                <a16:creationId xmlns:a16="http://schemas.microsoft.com/office/drawing/2014/main" id="{E383EA87-CABF-588B-1C60-85AB3B097A5F}"/>
               </a:ext>
             </a:extLst>
           </p:cNvPr>
@@ -2661,7 +2661,7 @@
           <a:bodyPr/>
           <a:lstStyle/>
           <a:p>
-            <a:fld id="{B2EB8A18-EC8C-491B-A524-BE31D7EC393F}" type="datetimeFigureOut">
+            <a:fld id="{9973C8CE-1586-429C-B63E-8673888B3845}" type="datetimeFigureOut">
               <a:rPr lang="zh-CN" altLang="en-US" smtClean="0"/>
               <a:t>2024/3/10</a:t>
             </a:fld>
@@ -2674,7 +2674,7 @@
           <p:cNvPr id="6" name="页脚占位符 5">
             <a:extLst>
               <a:ext uri="{FF2B5EF4-FFF2-40B4-BE49-F238E27FC236}">
-                <a16:creationId xmlns:a16="http://schemas.microsoft.com/office/drawing/2014/main" id="{3B395CAB-9D7C-99D6-780E-62A8F372D579}"/>
+                <a16:creationId xmlns:a16="http://schemas.microsoft.com/office/drawing/2014/main" id="{F6EFF3F0-D6B5-551F-3110-7F6EBB796C15}"/>
               </a:ext>
             </a:extLst>
           </p:cNvPr>
@@ -2699,7 +2699,7 @@
           <p:cNvPr id="7" name="灯片编号占位符 6">
             <a:extLst>
               <a:ext uri="{FF2B5EF4-FFF2-40B4-BE49-F238E27FC236}">
-                <a16:creationId xmlns:a16="http://schemas.microsoft.com/office/drawing/2014/main" id="{776B761A-FE09-5E89-CAE4-CE36A4AE3568}"/>
+                <a16:creationId xmlns:a16="http://schemas.microsoft.com/office/drawing/2014/main" id="{56175BE0-7AA7-84B7-8066-C509C5361527}"/>
               </a:ext>
             </a:extLst>
           </p:cNvPr>
@@ -2715,7 +2715,7 @@
           <a:bodyPr/>
           <a:lstStyle/>
           <a:p>
-            <a:fld id="{8CF55E7A-C275-473B-8119-C861A388A253}" type="slidenum">
+            <a:fld id="{8FF5D6DC-0F61-426F-9305-98D16D8532F8}" type="slidenum">
               <a:rPr lang="zh-CN" altLang="en-US" smtClean="0"/>
               <a:t>‹#›</a:t>
             </a:fld>
@@ -2726,7 +2726,7 @@
     </p:spTree>
     <p:extLst>
       <p:ext uri="{BB962C8B-B14F-4D97-AF65-F5344CB8AC3E}">
-        <p14:creationId xmlns:p14="http://schemas.microsoft.com/office/powerpoint/2010/main" val="76166438"/>
+        <p14:creationId xmlns:p14="http://schemas.microsoft.com/office/powerpoint/2010/main" val="641470129"/>
       </p:ext>
     </p:extLst>
   </p:cSld>
@@ -2763,7 +2763,7 @@
           <p:cNvPr id="2" name="标题占位符 1">
             <a:extLst>
               <a:ext uri="{FF2B5EF4-FFF2-40B4-BE49-F238E27FC236}">
-                <a16:creationId xmlns:a16="http://schemas.microsoft.com/office/drawing/2014/main" id="{F54131E2-4D59-FAF1-324E-046BAE435D31}"/>
+                <a16:creationId xmlns:a16="http://schemas.microsoft.com/office/drawing/2014/main" id="{E318DFD1-3A2E-A3F2-E200-58353859FBFE}"/>
               </a:ext>
             </a:extLst>
           </p:cNvPr>
@@ -2801,7 +2801,7 @@
           <p:cNvPr id="3" name="文本占位符 2">
             <a:extLst>
               <a:ext uri="{FF2B5EF4-FFF2-40B4-BE49-F238E27FC236}">
-                <a16:creationId xmlns:a16="http://schemas.microsoft.com/office/drawing/2014/main" id="{82DEC42E-1F43-3753-40AD-54F72BB0D16E}"/>
+                <a16:creationId xmlns:a16="http://schemas.microsoft.com/office/drawing/2014/main" id="{43953DD5-25AE-594B-AAB4-3290852E4D73}"/>
               </a:ext>
             </a:extLst>
           </p:cNvPr>
@@ -2868,7 +2868,7 @@
           <p:cNvPr id="4" name="日期占位符 3">
             <a:extLst>
               <a:ext uri="{FF2B5EF4-FFF2-40B4-BE49-F238E27FC236}">
-                <a16:creationId xmlns:a16="http://schemas.microsoft.com/office/drawing/2014/main" id="{D30FF5EE-B224-3A22-8098-F5E975D1A0E4}"/>
+                <a16:creationId xmlns:a16="http://schemas.microsoft.com/office/drawing/2014/main" id="{A17DF75F-8035-F1C7-0CAF-BF5934E57C76}"/>
               </a:ext>
             </a:extLst>
           </p:cNvPr>
@@ -2902,7 +2902,7 @@
             </a:lvl1pPr>
           </a:lstStyle>
           <a:p>
-            <a:fld id="{B2EB8A18-EC8C-491B-A524-BE31D7EC393F}" type="datetimeFigureOut">
+            <a:fld id="{9973C8CE-1586-429C-B63E-8673888B3845}" type="datetimeFigureOut">
               <a:rPr lang="zh-CN" altLang="en-US" smtClean="0"/>
               <a:t>2024/3/10</a:t>
             </a:fld>
@@ -2915,7 +2915,7 @@
           <p:cNvPr id="5" name="页脚占位符 4">
             <a:extLst>
               <a:ext uri="{FF2B5EF4-FFF2-40B4-BE49-F238E27FC236}">
-                <a16:creationId xmlns:a16="http://schemas.microsoft.com/office/drawing/2014/main" id="{A3BB1978-14E2-A9FF-0EE3-B3AF6314695A}"/>
+                <a16:creationId xmlns:a16="http://schemas.microsoft.com/office/drawing/2014/main" id="{079BB114-6921-1C19-7236-E2DAB3EFB974}"/>
               </a:ext>
             </a:extLst>
           </p:cNvPr>
@@ -2958,7 +2958,7 @@
           <p:cNvPr id="6" name="灯片编号占位符 5">
             <a:extLst>
               <a:ext uri="{FF2B5EF4-FFF2-40B4-BE49-F238E27FC236}">
-                <a16:creationId xmlns:a16="http://schemas.microsoft.com/office/drawing/2014/main" id="{99A28704-A723-4764-622A-7DD5961DBA5D}"/>
+                <a16:creationId xmlns:a16="http://schemas.microsoft.com/office/drawing/2014/main" id="{675A01F4-333E-98AD-31C0-1207510E19AB}"/>
               </a:ext>
             </a:extLst>
           </p:cNvPr>
@@ -2992,7 +2992,7 @@
             </a:lvl1pPr>
           </a:lstStyle>
           <a:p>
-            <a:fld id="{8CF55E7A-C275-473B-8119-C861A388A253}" type="slidenum">
+            <a:fld id="{8FF5D6DC-0F61-426F-9305-98D16D8532F8}" type="slidenum">
               <a:rPr lang="zh-CN" altLang="en-US" smtClean="0"/>
               <a:t>‹#›</a:t>
             </a:fld>
@@ -3003,7 +3003,7 @@
     </p:spTree>
     <p:extLst>
       <p:ext uri="{BB962C8B-B14F-4D97-AF65-F5344CB8AC3E}">
-        <p14:creationId xmlns:p14="http://schemas.microsoft.com/office/powerpoint/2010/main" val="2165400234"/>
+        <p14:creationId xmlns:p14="http://schemas.microsoft.com/office/powerpoint/2010/main" val="1552117223"/>
       </p:ext>
     </p:extLst>
   </p:cSld>
